--- a/Entityframework Core.pptx
+++ b/Entityframework Core.pptx
@@ -8,10 +8,11 @@
     <p:sldId id="256" r:id="rId2"/>
     <p:sldId id="257" r:id="rId3"/>
     <p:sldId id="258" r:id="rId4"/>
-    <p:sldId id="259" r:id="rId5"/>
-    <p:sldId id="260" r:id="rId6"/>
-    <p:sldId id="261" r:id="rId7"/>
-    <p:sldId id="262" r:id="rId8"/>
+    <p:sldId id="263" r:id="rId5"/>
+    <p:sldId id="259" r:id="rId6"/>
+    <p:sldId id="260" r:id="rId7"/>
+    <p:sldId id="261" r:id="rId8"/>
+    <p:sldId id="262" r:id="rId9"/>
   </p:sldIdLst>
   <p:sldSz cx="12192000" cy="6858000"/>
   <p:notesSz cx="6858000" cy="9144000"/>
@@ -267,7 +268,7 @@
           <a:p>
             <a:fld id="{90B2B999-DB70-43CE-B8F1-434EC5EE9CB2}" type="datetimeFigureOut">
               <a:rPr lang="en-CH" smtClean="0"/>
-              <a:t>01/11/2021</a:t>
+              <a:t>04/11/2021</a:t>
             </a:fld>
             <a:endParaRPr lang="en-CH"/>
           </a:p>
@@ -467,7 +468,7 @@
           <a:p>
             <a:fld id="{90B2B999-DB70-43CE-B8F1-434EC5EE9CB2}" type="datetimeFigureOut">
               <a:rPr lang="en-CH" smtClean="0"/>
-              <a:t>01/11/2021</a:t>
+              <a:t>04/11/2021</a:t>
             </a:fld>
             <a:endParaRPr lang="en-CH"/>
           </a:p>
@@ -677,7 +678,7 @@
           <a:p>
             <a:fld id="{90B2B999-DB70-43CE-B8F1-434EC5EE9CB2}" type="datetimeFigureOut">
               <a:rPr lang="en-CH" smtClean="0"/>
-              <a:t>01/11/2021</a:t>
+              <a:t>04/11/2021</a:t>
             </a:fld>
             <a:endParaRPr lang="en-CH"/>
           </a:p>
@@ -877,7 +878,7 @@
           <a:p>
             <a:fld id="{90B2B999-DB70-43CE-B8F1-434EC5EE9CB2}" type="datetimeFigureOut">
               <a:rPr lang="en-CH" smtClean="0"/>
-              <a:t>01/11/2021</a:t>
+              <a:t>04/11/2021</a:t>
             </a:fld>
             <a:endParaRPr lang="en-CH"/>
           </a:p>
@@ -1153,7 +1154,7 @@
           <a:p>
             <a:fld id="{90B2B999-DB70-43CE-B8F1-434EC5EE9CB2}" type="datetimeFigureOut">
               <a:rPr lang="en-CH" smtClean="0"/>
-              <a:t>01/11/2021</a:t>
+              <a:t>04/11/2021</a:t>
             </a:fld>
             <a:endParaRPr lang="en-CH"/>
           </a:p>
@@ -1421,7 +1422,7 @@
           <a:p>
             <a:fld id="{90B2B999-DB70-43CE-B8F1-434EC5EE9CB2}" type="datetimeFigureOut">
               <a:rPr lang="en-CH" smtClean="0"/>
-              <a:t>01/11/2021</a:t>
+              <a:t>04/11/2021</a:t>
             </a:fld>
             <a:endParaRPr lang="en-CH"/>
           </a:p>
@@ -1836,7 +1837,7 @@
           <a:p>
             <a:fld id="{90B2B999-DB70-43CE-B8F1-434EC5EE9CB2}" type="datetimeFigureOut">
               <a:rPr lang="en-CH" smtClean="0"/>
-              <a:t>01/11/2021</a:t>
+              <a:t>04/11/2021</a:t>
             </a:fld>
             <a:endParaRPr lang="en-CH"/>
           </a:p>
@@ -1978,7 +1979,7 @@
           <a:p>
             <a:fld id="{90B2B999-DB70-43CE-B8F1-434EC5EE9CB2}" type="datetimeFigureOut">
               <a:rPr lang="en-CH" smtClean="0"/>
-              <a:t>01/11/2021</a:t>
+              <a:t>04/11/2021</a:t>
             </a:fld>
             <a:endParaRPr lang="en-CH"/>
           </a:p>
@@ -2091,7 +2092,7 @@
           <a:p>
             <a:fld id="{90B2B999-DB70-43CE-B8F1-434EC5EE9CB2}" type="datetimeFigureOut">
               <a:rPr lang="en-CH" smtClean="0"/>
-              <a:t>01/11/2021</a:t>
+              <a:t>04/11/2021</a:t>
             </a:fld>
             <a:endParaRPr lang="en-CH"/>
           </a:p>
@@ -2404,7 +2405,7 @@
           <a:p>
             <a:fld id="{90B2B999-DB70-43CE-B8F1-434EC5EE9CB2}" type="datetimeFigureOut">
               <a:rPr lang="en-CH" smtClean="0"/>
-              <a:t>01/11/2021</a:t>
+              <a:t>04/11/2021</a:t>
             </a:fld>
             <a:endParaRPr lang="en-CH"/>
           </a:p>
@@ -2693,7 +2694,7 @@
           <a:p>
             <a:fld id="{90B2B999-DB70-43CE-B8F1-434EC5EE9CB2}" type="datetimeFigureOut">
               <a:rPr lang="en-CH" smtClean="0"/>
-              <a:t>01/11/2021</a:t>
+              <a:t>04/11/2021</a:t>
             </a:fld>
             <a:endParaRPr lang="en-CH"/>
           </a:p>
@@ -2936,7 +2937,7 @@
           <a:p>
             <a:fld id="{90B2B999-DB70-43CE-B8F1-434EC5EE9CB2}" type="datetimeFigureOut">
               <a:rPr lang="en-CH" smtClean="0"/>
-              <a:t>01/11/2021</a:t>
+              <a:t>04/11/2021</a:t>
             </a:fld>
             <a:endParaRPr lang="en-CH"/>
           </a:p>
@@ -3633,6 +3634,98 @@
           <p:cNvPr id="2" name="Titel 1">
             <a:extLst>
               <a:ext uri="{FF2B5EF4-FFF2-40B4-BE49-F238E27FC236}">
+                <a16:creationId xmlns:a16="http://schemas.microsoft.com/office/drawing/2014/main" id="{ACAB61AF-06CB-4601-A0E6-A3DE66DA0A60}"/>
+              </a:ext>
+            </a:extLst>
+          </p:cNvPr>
+          <p:cNvSpPr>
+            <a:spLocks noGrp="1"/>
+          </p:cNvSpPr>
+          <p:nvPr>
+            <p:ph type="title"/>
+          </p:nvPr>
+        </p:nvSpPr>
+        <p:spPr/>
+        <p:txBody>
+          <a:bodyPr/>
+          <a:lstStyle/>
+          <a:p>
+            <a:r>
+              <a:rPr lang="de-CH" dirty="0"/>
+              <a:t>Code First Workflow</a:t>
+            </a:r>
+            <a:endParaRPr lang="en-CH" dirty="0"/>
+          </a:p>
+        </p:txBody>
+      </p:sp>
+      <p:sp>
+        <p:nvSpPr>
+          <p:cNvPr id="3" name="Inhaltsplatzhalter 2">
+            <a:extLst>
+              <a:ext uri="{FF2B5EF4-FFF2-40B4-BE49-F238E27FC236}">
+                <a16:creationId xmlns:a16="http://schemas.microsoft.com/office/drawing/2014/main" id="{84C8474D-5D1E-41B8-98C6-14A42A0538A9}"/>
+              </a:ext>
+            </a:extLst>
+          </p:cNvPr>
+          <p:cNvSpPr>
+            <a:spLocks noGrp="1"/>
+          </p:cNvSpPr>
+          <p:nvPr>
+            <p:ph idx="1"/>
+          </p:nvPr>
+        </p:nvSpPr>
+        <p:spPr/>
+        <p:txBody>
+          <a:bodyPr/>
+          <a:lstStyle/>
+          <a:p>
+            <a:r>
+              <a:rPr lang="de-CH" dirty="0"/>
+              <a:t>Zuerst den Code für die DB Erstellen und dann die DB durch </a:t>
+            </a:r>
+            <a:r>
+              <a:rPr lang="de-CH"/>
+              <a:t>diesen generieren</a:t>
+            </a:r>
+            <a:endParaRPr lang="en-CH"/>
+          </a:p>
+        </p:txBody>
+      </p:sp>
+    </p:spTree>
+    <p:extLst>
+      <p:ext uri="{BB962C8B-B14F-4D97-AF65-F5344CB8AC3E}">
+        <p14:creationId xmlns:p14="http://schemas.microsoft.com/office/powerpoint/2010/main" val="2447678382"/>
+      </p:ext>
+    </p:extLst>
+  </p:cSld>
+  <p:clrMapOvr>
+    <a:masterClrMapping/>
+  </p:clrMapOvr>
+</p:sld>
+</file>
+
+<file path=ppt/slides/slide5.xml><?xml version="1.0" encoding="utf-8"?>
+<p:sld xmlns:a="http://schemas.openxmlformats.org/drawingml/2006/main" xmlns:r="http://schemas.openxmlformats.org/officeDocument/2006/relationships" xmlns:p="http://schemas.openxmlformats.org/presentationml/2006/main">
+  <p:cSld>
+    <p:spTree>
+      <p:nvGrpSpPr>
+        <p:cNvPr id="1" name=""/>
+        <p:cNvGrpSpPr/>
+        <p:nvPr/>
+      </p:nvGrpSpPr>
+      <p:grpSpPr>
+        <a:xfrm>
+          <a:off x="0" y="0"/>
+          <a:ext cx="0" cy="0"/>
+          <a:chOff x="0" y="0"/>
+          <a:chExt cx="0" cy="0"/>
+        </a:xfrm>
+      </p:grpSpPr>
+      <p:sp>
+        <p:nvSpPr>
+          <p:cNvPr id="2" name="Titel 1">
+            <a:extLst>
+              <a:ext uri="{FF2B5EF4-FFF2-40B4-BE49-F238E27FC236}">
                 <a16:creationId xmlns:a16="http://schemas.microsoft.com/office/drawing/2014/main" id="{3CB166E8-A725-416D-8742-BE4EE66BB8CA}"/>
               </a:ext>
             </a:extLst>
@@ -3699,7 +3792,7 @@
 </p:sld>
 </file>
 
-<file path=ppt/slides/slide5.xml><?xml version="1.0" encoding="utf-8"?>
+<file path=ppt/slides/slide6.xml><?xml version="1.0" encoding="utf-8"?>
 <p:sld xmlns:a="http://schemas.openxmlformats.org/drawingml/2006/main" xmlns:r="http://schemas.openxmlformats.org/officeDocument/2006/relationships" xmlns:p="http://schemas.openxmlformats.org/presentationml/2006/main">
   <p:cSld>
     <p:spTree>
@@ -3787,7 +3880,7 @@
 </p:sld>
 </file>
 
-<file path=ppt/slides/slide6.xml><?xml version="1.0" encoding="utf-8"?>
+<file path=ppt/slides/slide7.xml><?xml version="1.0" encoding="utf-8"?>
 <p:sld xmlns:a="http://schemas.openxmlformats.org/drawingml/2006/main" xmlns:r="http://schemas.openxmlformats.org/officeDocument/2006/relationships" xmlns:p="http://schemas.openxmlformats.org/presentationml/2006/main">
   <p:cSld>
     <p:spTree>
@@ -3891,7 +3984,7 @@
 </p:sld>
 </file>
 
-<file path=ppt/slides/slide7.xml><?xml version="1.0" encoding="utf-8"?>
+<file path=ppt/slides/slide8.xml><?xml version="1.0" encoding="utf-8"?>
 <p:sld xmlns:a="http://schemas.openxmlformats.org/drawingml/2006/main" xmlns:r="http://schemas.openxmlformats.org/officeDocument/2006/relationships" xmlns:p="http://schemas.openxmlformats.org/presentationml/2006/main">
   <p:cSld>
     <p:spTree>
